--- a/DDD-Solution.pptx
+++ b/DDD-Solution.pptx
@@ -6318,7 +6318,7 @@
           <a:effectLst/>
           <a:extLst>
             <a:ext uri="{91240B29-F687-4f45-9708-019B960494DF}">
-              <a14:hiddenLine xmlns:a14="http://schemas.microsoft.com/office/drawing/2010/main" xmlns="" w="9525">
+              <a14:hiddenLine xmlns="" xmlns:a14="http://schemas.microsoft.com/office/drawing/2010/main" w="9525">
                 <a:solidFill>
                   <a:srgbClr val="000000"/>
                 </a:solidFill>
@@ -6510,7 +6510,7 @@
           <a:p>
             <a:fld id="{23FEA57E-7C1A-457B-A4CD-5DCEB057B502}" type="datetime1">
               <a:rPr lang="en-US" smtClean="0"/>
-              <a:t>8/18/2023</a:t>
+              <a:t>8/19/2023</a:t>
             </a:fld>
             <a:endParaRPr lang="en-US" dirty="0"/>
           </a:p>
@@ -6832,7 +6832,7 @@
           <a:p>
             <a:fld id="{D3FE42E8-8B57-452D-A122-4DCE9AC771EF}" type="datetime1">
               <a:rPr lang="en-US" smtClean="0"/>
-              <a:t>8/18/2023</a:t>
+              <a:t>8/19/2023</a:t>
             </a:fld>
             <a:endParaRPr lang="en-US"/>
           </a:p>
@@ -7326,7 +7326,7 @@
           <a:p>
             <a:fld id="{D3FE42E8-8B57-452D-A122-4DCE9AC771EF}" type="datetime1">
               <a:rPr lang="en-US" smtClean="0"/>
-              <a:t>8/18/2023</a:t>
+              <a:t>8/19/2023</a:t>
             </a:fld>
             <a:endParaRPr lang="en-US"/>
           </a:p>
@@ -7701,7 +7701,7 @@
           <a:p>
             <a:fld id="{D3FE42E8-8B57-452D-A122-4DCE9AC771EF}" type="datetime1">
               <a:rPr lang="en-US" smtClean="0"/>
-              <a:t>8/18/2023</a:t>
+              <a:t>8/19/2023</a:t>
             </a:fld>
             <a:endParaRPr lang="en-US"/>
           </a:p>
@@ -7862,7 +7862,7 @@
           <a:ln/>
           <a:extLst>
             <a:ext uri="{91240B29-F687-4f45-9708-019B960494DF}">
-              <a14:hiddenLine xmlns:a14="http://schemas.microsoft.com/office/drawing/2010/main" xmlns="" w="9525">
+              <a14:hiddenLine xmlns="" xmlns:a14="http://schemas.microsoft.com/office/drawing/2010/main" w="9525">
                 <a:solidFill>
                   <a:srgbClr val="000000"/>
                 </a:solidFill>
@@ -7980,7 +7980,7 @@
           <a:p>
             <a:fld id="{11789749-A4CD-447F-8298-2B7988C91CEA}" type="datetime1">
               <a:rPr lang="en-US" smtClean="0"/>
-              <a:t>8/18/2023</a:t>
+              <a:t>8/19/2023</a:t>
             </a:fld>
             <a:endParaRPr lang="en-US"/>
           </a:p>
@@ -8141,7 +8141,7 @@
           <a:ln/>
           <a:extLst>
             <a:ext uri="{91240B29-F687-4f45-9708-019B960494DF}">
-              <a14:hiddenLine xmlns:a14="http://schemas.microsoft.com/office/drawing/2010/main" xmlns="" w="9525">
+              <a14:hiddenLine xmlns="" xmlns:a14="http://schemas.microsoft.com/office/drawing/2010/main" w="9525">
                 <a:solidFill>
                   <a:srgbClr val="000000"/>
                 </a:solidFill>
@@ -8269,7 +8269,7 @@
           <a:p>
             <a:fld id="{BA0444D3-C0BA-4587-A56C-581AB9F841BE}" type="datetime1">
               <a:rPr lang="en-US" smtClean="0"/>
-              <a:t>8/18/2023</a:t>
+              <a:t>8/19/2023</a:t>
             </a:fld>
             <a:endParaRPr lang="en-US"/>
           </a:p>
@@ -8427,7 +8427,7 @@
           <a:ln/>
           <a:extLst>
             <a:ext uri="{91240B29-F687-4f45-9708-019B960494DF}">
-              <a14:hiddenLine xmlns:a14="http://schemas.microsoft.com/office/drawing/2010/main" xmlns="" w="9525">
+              <a14:hiddenLine xmlns="" xmlns:a14="http://schemas.microsoft.com/office/drawing/2010/main" w="9525">
                 <a:solidFill>
                   <a:srgbClr val="000000"/>
                 </a:solidFill>
@@ -8555,7 +8555,7 @@
           <a:p>
             <a:fld id="{201AF2CE-4F37-411C-A3EE-BBBE223265BF}" type="datetime1">
               <a:rPr lang="en-US" smtClean="0"/>
-              <a:t>8/18/2023</a:t>
+              <a:t>8/19/2023</a:t>
             </a:fld>
             <a:endParaRPr lang="en-US"/>
           </a:p>
@@ -8901,7 +8901,7 @@
           <a:p>
             <a:fld id="{C96083D4-708C-4BB5-B4FD-30CE9FA12FD5}" type="datetime1">
               <a:rPr lang="en-US" smtClean="0"/>
-              <a:t>8/18/2023</a:t>
+              <a:t>8/19/2023</a:t>
             </a:fld>
             <a:endParaRPr lang="en-US"/>
           </a:p>
@@ -9060,7 +9060,7 @@
           <a:ln/>
           <a:extLst>
             <a:ext uri="{91240B29-F687-4f45-9708-019B960494DF}">
-              <a14:hiddenLine xmlns:a14="http://schemas.microsoft.com/office/drawing/2010/main" xmlns="" w="9525">
+              <a14:hiddenLine xmlns="" xmlns:a14="http://schemas.microsoft.com/office/drawing/2010/main" w="9525">
                 <a:solidFill>
                   <a:srgbClr val="000000"/>
                 </a:solidFill>
@@ -9244,7 +9244,7 @@
           <a:p>
             <a:fld id="{D0D239B2-65BC-4C2A-A62B-3EABFE9590E4}" type="datetime1">
               <a:rPr lang="en-US" smtClean="0"/>
-              <a:t>8/18/2023</a:t>
+              <a:t>8/19/2023</a:t>
             </a:fld>
             <a:endParaRPr lang="en-US"/>
           </a:p>
@@ -9402,7 +9402,7 @@
           <a:ln/>
           <a:extLst>
             <a:ext uri="{91240B29-F687-4f45-9708-019B960494DF}">
-              <a14:hiddenLine xmlns:a14="http://schemas.microsoft.com/office/drawing/2010/main" xmlns="" w="9525">
+              <a14:hiddenLine xmlns="" xmlns:a14="http://schemas.microsoft.com/office/drawing/2010/main" w="9525">
                 <a:solidFill>
                   <a:srgbClr val="000000"/>
                 </a:solidFill>
@@ -9724,7 +9724,7 @@
           <a:p>
             <a:fld id="{85E05F5A-E4A3-476F-A89E-C2B73F2431E4}" type="datetime1">
               <a:rPr lang="en-US" smtClean="0"/>
-              <a:t>8/18/2023</a:t>
+              <a:t>8/19/2023</a:t>
             </a:fld>
             <a:endParaRPr lang="en-US"/>
           </a:p>
@@ -9882,7 +9882,7 @@
           <a:ln/>
           <a:extLst>
             <a:ext uri="{91240B29-F687-4f45-9708-019B960494DF}">
-              <a14:hiddenLine xmlns:a14="http://schemas.microsoft.com/office/drawing/2010/main" xmlns="" w="9525">
+              <a14:hiddenLine xmlns="" xmlns:a14="http://schemas.microsoft.com/office/drawing/2010/main" w="9525">
                 <a:solidFill>
                   <a:srgbClr val="000000"/>
                 </a:solidFill>
@@ -9948,7 +9948,7 @@
           <a:p>
             <a:fld id="{E3761515-4A26-4F31-9F61-5A10B1FABBFC}" type="datetime1">
               <a:rPr lang="en-US" smtClean="0"/>
-              <a:t>8/18/2023</a:t>
+              <a:t>8/19/2023</a:t>
             </a:fld>
             <a:endParaRPr lang="en-US"/>
           </a:p>
@@ -10046,7 +10046,7 @@
           <a:p>
             <a:fld id="{4A75DC65-7D1F-4BAB-9695-F7E734143E14}" type="datetime1">
               <a:rPr lang="en-US" smtClean="0"/>
-              <a:t>8/18/2023</a:t>
+              <a:t>8/19/2023</a:t>
             </a:fld>
             <a:endParaRPr lang="en-US"/>
           </a:p>
@@ -10317,7 +10317,7 @@
           <a:ln/>
           <a:extLst>
             <a:ext uri="{91240B29-F687-4f45-9708-019B960494DF}">
-              <a14:hiddenLine xmlns:a14="http://schemas.microsoft.com/office/drawing/2010/main" xmlns="" w="9525">
+              <a14:hiddenLine xmlns="" xmlns:a14="http://schemas.microsoft.com/office/drawing/2010/main" w="9525">
                 <a:solidFill>
                   <a:srgbClr val="000000"/>
                 </a:solidFill>
@@ -10516,7 +10516,7 @@
           <a:p>
             <a:fld id="{7E624077-BD55-4036-8E92-6558FDF3B653}" type="datetime1">
               <a:rPr lang="en-US" smtClean="0"/>
-              <a:t>8/18/2023</a:t>
+              <a:t>8/19/2023</a:t>
             </a:fld>
             <a:endParaRPr lang="en-US"/>
           </a:p>
@@ -10832,7 +10832,7 @@
           <a:p>
             <a:fld id="{D3FE42E8-8B57-452D-A122-4DCE9AC771EF}" type="datetime1">
               <a:rPr lang="en-US" smtClean="0"/>
-              <a:t>8/18/2023</a:t>
+              <a:t>8/19/2023</a:t>
             </a:fld>
             <a:endParaRPr lang="en-US"/>
           </a:p>
@@ -11112,7 +11112,7 @@
           <a:p>
             <a:fld id="{D3FE42E8-8B57-452D-A122-4DCE9AC771EF}" type="datetime1">
               <a:rPr lang="en-US" smtClean="0"/>
-              <a:t>8/18/2023</a:t>
+              <a:t>8/19/2023</a:t>
             </a:fld>
             <a:endParaRPr lang="en-US"/>
           </a:p>
@@ -11599,12 +11599,12 @@
           <a:lstStyle/>
           <a:p>
             <a:r>
-              <a:rPr lang="en-US">
+              <a:rPr lang="en-US" dirty="0">
                 <a:solidFill>
                   <a:schemeClr val="bg2"/>
                 </a:solidFill>
               </a:rPr>
-              <a:t>DDD-Solution 1</a:t>
+              <a:t>DDD-Solution</a:t>
             </a:r>
           </a:p>
         </p:txBody>
@@ -20765,7 +20765,7 @@
           <p:nvPr>
             <p:extLst>
               <p:ext uri="{D42A27DB-BD31-4B8C-83A1-F6EECF244321}">
-                <p14:modId xmlns:p14="http://schemas.microsoft.com/office/powerpoint/2010/main" val="2671552730"/>
+                <p14:modId xmlns:p14="http://schemas.microsoft.com/office/powerpoint/2010/main" val="1758998034"/>
               </p:ext>
             </p:extLst>
           </p:nvPr>
@@ -20796,7 +20796,7 @@
                   </a:extLst>
                 </a:gridCol>
               </a:tblGrid>
-              <a:tr h="272933">
+              <a:tr h="253170">
                 <a:tc>
                   <a:txBody>
                     <a:bodyPr/>
@@ -20849,7 +20849,7 @@
                   </a:ext>
                 </a:extLst>
               </a:tr>
-              <a:tr h="272933">
+              <a:tr h="253170">
                 <a:tc>
                   <a:txBody>
                     <a:bodyPr/>
@@ -20902,7 +20902,7 @@
                   </a:ext>
                 </a:extLst>
               </a:tr>
-              <a:tr h="272933">
+              <a:tr h="253170">
                 <a:tc>
                   <a:txBody>
                     <a:bodyPr/>
@@ -20955,7 +20955,7 @@
                   </a:ext>
                 </a:extLst>
               </a:tr>
-              <a:tr h="272933">
+              <a:tr h="253170">
                 <a:tc>
                   <a:txBody>
                     <a:bodyPr/>
@@ -21008,7 +21008,7 @@
                   </a:ext>
                 </a:extLst>
               </a:tr>
-              <a:tr h="272933">
+              <a:tr h="253170">
                 <a:tc>
                   <a:txBody>
                     <a:bodyPr/>
@@ -21061,7 +21061,7 @@
                   </a:ext>
                 </a:extLst>
               </a:tr>
-              <a:tr h="545864">
+              <a:tr h="506340">
                 <a:tc>
                   <a:txBody>
                     <a:bodyPr/>
@@ -21114,7 +21114,7 @@
                   </a:ext>
                 </a:extLst>
               </a:tr>
-              <a:tr h="272933">
+              <a:tr h="253170">
                 <a:tc>
                   <a:txBody>
                     <a:bodyPr/>
@@ -21167,7 +21167,7 @@
                   </a:ext>
                 </a:extLst>
               </a:tr>
-              <a:tr h="272933">
+              <a:tr h="253170">
                 <a:tc>
                   <a:txBody>
                     <a:bodyPr/>
@@ -21220,7 +21220,7 @@
                   </a:ext>
                 </a:extLst>
               </a:tr>
-              <a:tr h="272933">
+              <a:tr h="253170">
                 <a:tc>
                   <a:txBody>
                     <a:bodyPr/>
@@ -21273,7 +21273,7 @@
                   </a:ext>
                 </a:extLst>
               </a:tr>
-              <a:tr h="272933">
+              <a:tr h="253170">
                 <a:tc>
                   <a:txBody>
                     <a:bodyPr/>
@@ -21326,7 +21326,7 @@
                   </a:ext>
                 </a:extLst>
               </a:tr>
-              <a:tr h="545864">
+              <a:tr h="506340">
                 <a:tc>
                   <a:txBody>
                     <a:bodyPr/>
@@ -21379,7 +21379,7 @@
                   </a:ext>
                 </a:extLst>
               </a:tr>
-              <a:tr h="307048">
+              <a:tr h="506340">
                 <a:tc>
                   <a:txBody>
                     <a:bodyPr/>
@@ -21432,7 +21432,7 @@
                   </a:ext>
                 </a:extLst>
               </a:tr>
-              <a:tr h="272933">
+              <a:tr h="253170">
                 <a:tc>
                   <a:txBody>
                     <a:bodyPr/>
@@ -21485,7 +21485,7 @@
                   </a:ext>
                 </a:extLst>
               </a:tr>
-              <a:tr h="545864">
+              <a:tr h="506340">
                 <a:tc>
                   <a:txBody>
                     <a:bodyPr/>
@@ -21538,7 +21538,7 @@
                   </a:ext>
                 </a:extLst>
               </a:tr>
-              <a:tr h="272933">
+              <a:tr h="253170">
                 <a:tc>
                   <a:txBody>
                     <a:bodyPr/>
@@ -21591,7 +21591,7 @@
                   </a:ext>
                 </a:extLst>
               </a:tr>
-              <a:tr h="545864">
+              <a:tr h="506340">
                 <a:tc>
                   <a:txBody>
                     <a:bodyPr/>
@@ -21647,7 +21647,7 @@
                   </a:ext>
                 </a:extLst>
               </a:tr>
-              <a:tr h="272933">
+              <a:tr h="253170">
                 <a:tc>
                   <a:txBody>
                     <a:bodyPr/>
@@ -21700,7 +21700,7 @@
                   </a:ext>
                 </a:extLst>
               </a:tr>
-              <a:tr h="545864">
+              <a:tr h="506340">
                 <a:tc>
                   <a:txBody>
                     <a:bodyPr/>
@@ -21753,7 +21753,7 @@
                   </a:ext>
                 </a:extLst>
               </a:tr>
-              <a:tr h="272933">
+              <a:tr h="253170">
                 <a:tc>
                   <a:txBody>
                     <a:bodyPr/>
@@ -21806,7 +21806,7 @@
                   </a:ext>
                 </a:extLst>
               </a:tr>
-              <a:tr h="307048">
+              <a:tr h="506340">
                 <a:tc>
                   <a:txBody>
                     <a:bodyPr/>
